--- a/Figures/Figures.pptx
+++ b/Figures/Figures.pptx
@@ -243,7 +243,7 @@
           <a:p>
             <a:fld id="{D2EE9EEA-6413-46F6-9BA1-24DE2F4EFEFC}" type="datetimeFigureOut">
               <a:rPr lang="en-US" smtClean="0"/>
-              <a:t>7/30/2021</a:t>
+              <a:t>8/13/2021</a:t>
             </a:fld>
             <a:endParaRPr lang="en-US"/>
           </a:p>
@@ -413,7 +413,7 @@
           <a:p>
             <a:fld id="{D2EE9EEA-6413-46F6-9BA1-24DE2F4EFEFC}" type="datetimeFigureOut">
               <a:rPr lang="en-US" smtClean="0"/>
-              <a:t>7/30/2021</a:t>
+              <a:t>8/13/2021</a:t>
             </a:fld>
             <a:endParaRPr lang="en-US"/>
           </a:p>
@@ -593,7 +593,7 @@
           <a:p>
             <a:fld id="{D2EE9EEA-6413-46F6-9BA1-24DE2F4EFEFC}" type="datetimeFigureOut">
               <a:rPr lang="en-US" smtClean="0"/>
-              <a:t>7/30/2021</a:t>
+              <a:t>8/13/2021</a:t>
             </a:fld>
             <a:endParaRPr lang="en-US"/>
           </a:p>
@@ -763,7 +763,7 @@
           <a:p>
             <a:fld id="{D2EE9EEA-6413-46F6-9BA1-24DE2F4EFEFC}" type="datetimeFigureOut">
               <a:rPr lang="en-US" smtClean="0"/>
-              <a:t>7/30/2021</a:t>
+              <a:t>8/13/2021</a:t>
             </a:fld>
             <a:endParaRPr lang="en-US"/>
           </a:p>
@@ -1007,7 +1007,7 @@
           <a:p>
             <a:fld id="{D2EE9EEA-6413-46F6-9BA1-24DE2F4EFEFC}" type="datetimeFigureOut">
               <a:rPr lang="en-US" smtClean="0"/>
-              <a:t>7/30/2021</a:t>
+              <a:t>8/13/2021</a:t>
             </a:fld>
             <a:endParaRPr lang="en-US"/>
           </a:p>
@@ -1239,7 +1239,7 @@
           <a:p>
             <a:fld id="{D2EE9EEA-6413-46F6-9BA1-24DE2F4EFEFC}" type="datetimeFigureOut">
               <a:rPr lang="en-US" smtClean="0"/>
-              <a:t>7/30/2021</a:t>
+              <a:t>8/13/2021</a:t>
             </a:fld>
             <a:endParaRPr lang="en-US"/>
           </a:p>
@@ -1606,7 +1606,7 @@
           <a:p>
             <a:fld id="{D2EE9EEA-6413-46F6-9BA1-24DE2F4EFEFC}" type="datetimeFigureOut">
               <a:rPr lang="en-US" smtClean="0"/>
-              <a:t>7/30/2021</a:t>
+              <a:t>8/13/2021</a:t>
             </a:fld>
             <a:endParaRPr lang="en-US"/>
           </a:p>
@@ -1724,7 +1724,7 @@
           <a:p>
             <a:fld id="{D2EE9EEA-6413-46F6-9BA1-24DE2F4EFEFC}" type="datetimeFigureOut">
               <a:rPr lang="en-US" smtClean="0"/>
-              <a:t>7/30/2021</a:t>
+              <a:t>8/13/2021</a:t>
             </a:fld>
             <a:endParaRPr lang="en-US"/>
           </a:p>
@@ -1819,7 +1819,7 @@
           <a:p>
             <a:fld id="{D2EE9EEA-6413-46F6-9BA1-24DE2F4EFEFC}" type="datetimeFigureOut">
               <a:rPr lang="en-US" smtClean="0"/>
-              <a:t>7/30/2021</a:t>
+              <a:t>8/13/2021</a:t>
             </a:fld>
             <a:endParaRPr lang="en-US"/>
           </a:p>
@@ -2096,7 +2096,7 @@
           <a:p>
             <a:fld id="{D2EE9EEA-6413-46F6-9BA1-24DE2F4EFEFC}" type="datetimeFigureOut">
               <a:rPr lang="en-US" smtClean="0"/>
-              <a:t>7/30/2021</a:t>
+              <a:t>8/13/2021</a:t>
             </a:fld>
             <a:endParaRPr lang="en-US"/>
           </a:p>
@@ -2353,7 +2353,7 @@
           <a:p>
             <a:fld id="{D2EE9EEA-6413-46F6-9BA1-24DE2F4EFEFC}" type="datetimeFigureOut">
               <a:rPr lang="en-US" smtClean="0"/>
-              <a:t>7/30/2021</a:t>
+              <a:t>8/13/2021</a:t>
             </a:fld>
             <a:endParaRPr lang="en-US"/>
           </a:p>
@@ -2566,7 +2566,7 @@
           <a:p>
             <a:fld id="{D2EE9EEA-6413-46F6-9BA1-24DE2F4EFEFC}" type="datetimeFigureOut">
               <a:rPr lang="en-US" smtClean="0"/>
-              <a:t>7/30/2021</a:t>
+              <a:t>8/13/2021</a:t>
             </a:fld>
             <a:endParaRPr lang="en-US"/>
           </a:p>
@@ -2973,10 +2973,10 @@
       </p:grpSpPr>
       <p:grpSp>
         <p:nvGrpSpPr>
-          <p:cNvPr id="117" name="Group 116">
+          <p:cNvPr id="3" name="Group 2">
             <a:extLst>
               <a:ext uri="{FF2B5EF4-FFF2-40B4-BE49-F238E27FC236}">
-                <a16:creationId xmlns:a16="http://schemas.microsoft.com/office/drawing/2014/main" id="{A0EE9BBF-0F6F-4690-8064-C74664B70BCC}"/>
+                <a16:creationId xmlns:a16="http://schemas.microsoft.com/office/drawing/2014/main" id="{C192C8FF-78FC-409A-9C9B-AB110EB91B11}"/>
               </a:ext>
             </a:extLst>
           </p:cNvPr>
@@ -2985,10 +2985,10 @@
         </p:nvGrpSpPr>
         <p:grpSpPr>
           <a:xfrm>
-            <a:off x="4159717" y="1768339"/>
-            <a:ext cx="6310966" cy="7753748"/>
-            <a:chOff x="946224" y="132044"/>
-            <a:chExt cx="6310966" cy="7753748"/>
+            <a:off x="3985110" y="1768339"/>
+            <a:ext cx="6485573" cy="7753748"/>
+            <a:chOff x="3985110" y="1768339"/>
+            <a:chExt cx="6485573" cy="7753748"/>
           </a:xfrm>
         </p:grpSpPr>
         <p:grpSp>
@@ -3005,7 +3005,7 @@
           </p:nvGrpSpPr>
           <p:grpSpPr>
             <a:xfrm>
-              <a:off x="946224" y="4924377"/>
+              <a:off x="4159717" y="6560672"/>
               <a:ext cx="6310966" cy="2353535"/>
               <a:chOff x="893266" y="4555525"/>
               <a:chExt cx="6310966" cy="2353535"/>
@@ -5097,8 +5097,8 @@
             </p:txBody>
           </p:sp>
         </p:grpSp>
-        <mc:AlternateContent xmlns:mc="http://schemas.openxmlformats.org/markup-compatibility/2006" xmlns:a14="http://schemas.microsoft.com/office/drawing/2010/main">
-          <mc:Choice Requires="a14">
+        <mc:AlternateContent xmlns:mc="http://schemas.openxmlformats.org/markup-compatibility/2006">
+          <mc:Choice xmlns:a14="http://schemas.microsoft.com/office/drawing/2010/main" Requires="a14">
             <p:sp>
               <p:nvSpPr>
                 <p:cNvPr id="35" name="TextBox 34">
@@ -5113,7 +5113,7 @@
               </p:nvSpPr>
               <p:spPr>
                 <a:xfrm>
-                  <a:off x="3402217" y="7301017"/>
+                  <a:off x="6615710" y="8937312"/>
                   <a:ext cx="1278492" cy="584775"/>
                 </a:xfrm>
                 <a:prstGeom prst="rect">
@@ -5154,7 +5154,7 @@
               </p:txBody>
             </p:sp>
           </mc:Choice>
-          <mc:Fallback xmlns="">
+          <mc:Fallback>
             <p:sp>
               <p:nvSpPr>
                 <p:cNvPr id="35" name="TextBox 34">
@@ -5171,7 +5171,7 @@
               </p:nvSpPr>
               <p:spPr>
                 <a:xfrm>
-                  <a:off x="3402217" y="7301017"/>
+                  <a:off x="6615710" y="8937312"/>
                   <a:ext cx="1278492" cy="584775"/>
                 </a:xfrm>
                 <a:prstGeom prst="rect">
@@ -5213,7 +5213,7 @@
           </p:nvSpPr>
           <p:spPr>
             <a:xfrm>
-              <a:off x="2510983" y="620650"/>
+              <a:off x="5724476" y="2256945"/>
               <a:ext cx="3627058" cy="491393"/>
             </a:xfrm>
             <a:prstGeom prst="rightArrow">
@@ -5259,7 +5259,7 @@
           </p:nvSpPr>
           <p:spPr>
             <a:xfrm>
-              <a:off x="3373811" y="132044"/>
+              <a:off x="6587304" y="1768339"/>
               <a:ext cx="1982402" cy="461665"/>
             </a:xfrm>
             <a:prstGeom prst="rect">
@@ -5294,7 +5294,7 @@
           </p:nvGrpSpPr>
           <p:grpSpPr>
             <a:xfrm>
-              <a:off x="946224" y="1338444"/>
+              <a:off x="4159717" y="2974739"/>
               <a:ext cx="6310966" cy="2353535"/>
               <a:chOff x="946224" y="1338444"/>
               <a:chExt cx="6310966" cy="2353535"/>
@@ -7198,8 +7198,8 @@
             </p:txBody>
           </p:sp>
         </p:grpSp>
-        <mc:AlternateContent xmlns:mc="http://schemas.openxmlformats.org/markup-compatibility/2006" xmlns:a14="http://schemas.microsoft.com/office/drawing/2010/main">
-          <mc:Choice Requires="a14">
+        <mc:AlternateContent xmlns:mc="http://schemas.openxmlformats.org/markup-compatibility/2006">
+          <mc:Choice xmlns:a14="http://schemas.microsoft.com/office/drawing/2010/main" Requires="a14">
             <p:sp>
               <p:nvSpPr>
                 <p:cNvPr id="105" name="TextBox 104">
@@ -7214,7 +7214,7 @@
               </p:nvSpPr>
               <p:spPr>
                 <a:xfrm>
-                  <a:off x="3402217" y="3682960"/>
+                  <a:off x="6615710" y="5319255"/>
                   <a:ext cx="1278492" cy="584775"/>
                 </a:xfrm>
                 <a:prstGeom prst="rect">
@@ -7255,7 +7255,7 @@
               </p:txBody>
             </p:sp>
           </mc:Choice>
-          <mc:Fallback xmlns="">
+          <mc:Fallback>
             <p:sp>
               <p:nvSpPr>
                 <p:cNvPr id="105" name="TextBox 104">
@@ -7272,7 +7272,7 @@
               </p:nvSpPr>
               <p:spPr>
                 <a:xfrm>
-                  <a:off x="3402217" y="3682960"/>
+                  <a:off x="6615710" y="5319255"/>
                   <a:ext cx="1278492" cy="584775"/>
                 </a:xfrm>
                 <a:prstGeom prst="rect">
@@ -7300,6 +7300,76 @@
             </p:sp>
           </mc:Fallback>
         </mc:AlternateContent>
+        <p:sp>
+          <p:nvSpPr>
+            <p:cNvPr id="2" name="TextBox 1">
+              <a:extLst>
+                <a:ext uri="{FF2B5EF4-FFF2-40B4-BE49-F238E27FC236}">
+                  <a16:creationId xmlns:a16="http://schemas.microsoft.com/office/drawing/2014/main" id="{74141157-7B03-4126-A2B8-E62CC91BBCB0}"/>
+                </a:ext>
+              </a:extLst>
+            </p:cNvPr>
+            <p:cNvSpPr txBox="1"/>
+            <p:nvPr/>
+          </p:nvSpPr>
+          <p:spPr>
+            <a:xfrm>
+              <a:off x="3985110" y="2091755"/>
+              <a:ext cx="518091" cy="461665"/>
+            </a:xfrm>
+            <a:prstGeom prst="rect">
+              <a:avLst/>
+            </a:prstGeom>
+            <a:noFill/>
+          </p:spPr>
+          <p:txBody>
+            <a:bodyPr wrap="none" rtlCol="0">
+              <a:spAutoFit/>
+            </a:bodyPr>
+            <a:lstStyle/>
+            <a:p>
+              <a:r>
+                <a:rPr lang="en-US" sz="2400" dirty="0"/>
+                <a:t>(a)</a:t>
+              </a:r>
+            </a:p>
+          </p:txBody>
+        </p:sp>
+        <p:sp>
+          <p:nvSpPr>
+            <p:cNvPr id="70" name="TextBox 69">
+              <a:extLst>
+                <a:ext uri="{FF2B5EF4-FFF2-40B4-BE49-F238E27FC236}">
+                  <a16:creationId xmlns:a16="http://schemas.microsoft.com/office/drawing/2014/main" id="{CD744E7A-10E6-4B22-8A7C-C568B7457E89}"/>
+                </a:ext>
+              </a:extLst>
+            </p:cNvPr>
+            <p:cNvSpPr txBox="1"/>
+            <p:nvPr/>
+          </p:nvSpPr>
+          <p:spPr>
+            <a:xfrm>
+              <a:off x="3985110" y="6309651"/>
+              <a:ext cx="532518" cy="461665"/>
+            </a:xfrm>
+            <a:prstGeom prst="rect">
+              <a:avLst/>
+            </a:prstGeom>
+            <a:noFill/>
+          </p:spPr>
+          <p:txBody>
+            <a:bodyPr wrap="none" rtlCol="0">
+              <a:spAutoFit/>
+            </a:bodyPr>
+            <a:lstStyle/>
+            <a:p>
+              <a:r>
+                <a:rPr lang="en-US" sz="2400" dirty="0"/>
+                <a:t>(b)</a:t>
+              </a:r>
+            </a:p>
+          </p:txBody>
+        </p:sp>
       </p:grpSp>
     </p:spTree>
     <p:extLst>

--- a/Figures/Figures.pptx
+++ b/Figures/Figures.pptx
@@ -243,7 +243,7 @@
           <a:p>
             <a:fld id="{D2EE9EEA-6413-46F6-9BA1-24DE2F4EFEFC}" type="datetimeFigureOut">
               <a:rPr lang="en-US" smtClean="0"/>
-              <a:t>8/13/2021</a:t>
+              <a:t>8/28/2021</a:t>
             </a:fld>
             <a:endParaRPr lang="en-US"/>
           </a:p>
@@ -413,7 +413,7 @@
           <a:p>
             <a:fld id="{D2EE9EEA-6413-46F6-9BA1-24DE2F4EFEFC}" type="datetimeFigureOut">
               <a:rPr lang="en-US" smtClean="0"/>
-              <a:t>8/13/2021</a:t>
+              <a:t>8/28/2021</a:t>
             </a:fld>
             <a:endParaRPr lang="en-US"/>
           </a:p>
@@ -593,7 +593,7 @@
           <a:p>
             <a:fld id="{D2EE9EEA-6413-46F6-9BA1-24DE2F4EFEFC}" type="datetimeFigureOut">
               <a:rPr lang="en-US" smtClean="0"/>
-              <a:t>8/13/2021</a:t>
+              <a:t>8/28/2021</a:t>
             </a:fld>
             <a:endParaRPr lang="en-US"/>
           </a:p>
@@ -763,7 +763,7 @@
           <a:p>
             <a:fld id="{D2EE9EEA-6413-46F6-9BA1-24DE2F4EFEFC}" type="datetimeFigureOut">
               <a:rPr lang="en-US" smtClean="0"/>
-              <a:t>8/13/2021</a:t>
+              <a:t>8/28/2021</a:t>
             </a:fld>
             <a:endParaRPr lang="en-US"/>
           </a:p>
@@ -1007,7 +1007,7 @@
           <a:p>
             <a:fld id="{D2EE9EEA-6413-46F6-9BA1-24DE2F4EFEFC}" type="datetimeFigureOut">
               <a:rPr lang="en-US" smtClean="0"/>
-              <a:t>8/13/2021</a:t>
+              <a:t>8/28/2021</a:t>
             </a:fld>
             <a:endParaRPr lang="en-US"/>
           </a:p>
@@ -1239,7 +1239,7 @@
           <a:p>
             <a:fld id="{D2EE9EEA-6413-46F6-9BA1-24DE2F4EFEFC}" type="datetimeFigureOut">
               <a:rPr lang="en-US" smtClean="0"/>
-              <a:t>8/13/2021</a:t>
+              <a:t>8/28/2021</a:t>
             </a:fld>
             <a:endParaRPr lang="en-US"/>
           </a:p>
@@ -1606,7 +1606,7 @@
           <a:p>
             <a:fld id="{D2EE9EEA-6413-46F6-9BA1-24DE2F4EFEFC}" type="datetimeFigureOut">
               <a:rPr lang="en-US" smtClean="0"/>
-              <a:t>8/13/2021</a:t>
+              <a:t>8/28/2021</a:t>
             </a:fld>
             <a:endParaRPr lang="en-US"/>
           </a:p>
@@ -1724,7 +1724,7 @@
           <a:p>
             <a:fld id="{D2EE9EEA-6413-46F6-9BA1-24DE2F4EFEFC}" type="datetimeFigureOut">
               <a:rPr lang="en-US" smtClean="0"/>
-              <a:t>8/13/2021</a:t>
+              <a:t>8/28/2021</a:t>
             </a:fld>
             <a:endParaRPr lang="en-US"/>
           </a:p>
@@ -1819,7 +1819,7 @@
           <a:p>
             <a:fld id="{D2EE9EEA-6413-46F6-9BA1-24DE2F4EFEFC}" type="datetimeFigureOut">
               <a:rPr lang="en-US" smtClean="0"/>
-              <a:t>8/13/2021</a:t>
+              <a:t>8/28/2021</a:t>
             </a:fld>
             <a:endParaRPr lang="en-US"/>
           </a:p>
@@ -2096,7 +2096,7 @@
           <a:p>
             <a:fld id="{D2EE9EEA-6413-46F6-9BA1-24DE2F4EFEFC}" type="datetimeFigureOut">
               <a:rPr lang="en-US" smtClean="0"/>
-              <a:t>8/13/2021</a:t>
+              <a:t>8/28/2021</a:t>
             </a:fld>
             <a:endParaRPr lang="en-US"/>
           </a:p>
@@ -2353,7 +2353,7 @@
           <a:p>
             <a:fld id="{D2EE9EEA-6413-46F6-9BA1-24DE2F4EFEFC}" type="datetimeFigureOut">
               <a:rPr lang="en-US" smtClean="0"/>
-              <a:t>8/13/2021</a:t>
+              <a:t>8/28/2021</a:t>
             </a:fld>
             <a:endParaRPr lang="en-US"/>
           </a:p>
@@ -2566,7 +2566,7 @@
           <a:p>
             <a:fld id="{D2EE9EEA-6413-46F6-9BA1-24DE2F4EFEFC}" type="datetimeFigureOut">
               <a:rPr lang="en-US" smtClean="0"/>
-              <a:t>8/13/2021</a:t>
+              <a:t>8/28/2021</a:t>
             </a:fld>
             <a:endParaRPr lang="en-US"/>
           </a:p>
@@ -3075,10 +3075,18 @@
                 </a:pathLst>
               </a:custGeom>
               <a:solidFill>
-                <a:schemeClr val="accent1">
+                <a:schemeClr val="bg1">
+                  <a:lumMod val="75000"/>
                   <a:alpha val="50000"/>
                 </a:schemeClr>
               </a:solidFill>
+              <a:ln>
+                <a:solidFill>
+                  <a:schemeClr val="bg1">
+                    <a:lumMod val="50000"/>
+                  </a:schemeClr>
+                </a:solidFill>
+              </a:ln>
             </p:spPr>
             <p:style>
               <a:lnRef idx="2">
@@ -3169,10 +3177,18 @@
                 </a:pathLst>
               </a:custGeom>
               <a:solidFill>
-                <a:schemeClr val="accent1">
+                <a:schemeClr val="bg1">
+                  <a:lumMod val="75000"/>
                   <a:alpha val="50000"/>
                 </a:schemeClr>
               </a:solidFill>
+              <a:ln>
+                <a:solidFill>
+                  <a:schemeClr val="bg1">
+                    <a:lumMod val="50000"/>
+                  </a:schemeClr>
+                </a:solidFill>
+              </a:ln>
             </p:spPr>
             <p:style>
               <a:lnRef idx="2">
@@ -3263,10 +3279,18 @@
                 </a:pathLst>
               </a:custGeom>
               <a:solidFill>
-                <a:schemeClr val="accent1">
+                <a:schemeClr val="bg1">
+                  <a:lumMod val="75000"/>
                   <a:alpha val="50000"/>
                 </a:schemeClr>
               </a:solidFill>
+              <a:ln>
+                <a:solidFill>
+                  <a:schemeClr val="bg1">
+                    <a:lumMod val="50000"/>
+                  </a:schemeClr>
+                </a:solidFill>
+              </a:ln>
             </p:spPr>
             <p:style>
               <a:lnRef idx="2">
@@ -3357,10 +3381,18 @@
                 </a:pathLst>
               </a:custGeom>
               <a:solidFill>
-                <a:schemeClr val="accent1">
+                <a:schemeClr val="bg1">
+                  <a:lumMod val="75000"/>
                   <a:alpha val="50000"/>
                 </a:schemeClr>
               </a:solidFill>
+              <a:ln>
+                <a:solidFill>
+                  <a:schemeClr val="bg1">
+                    <a:lumMod val="50000"/>
+                  </a:schemeClr>
+                </a:solidFill>
+              </a:ln>
             </p:spPr>
             <p:style>
               <a:lnRef idx="2">
@@ -3451,10 +3483,18 @@
                 </a:pathLst>
               </a:custGeom>
               <a:solidFill>
-                <a:schemeClr val="accent1">
+                <a:schemeClr val="bg1">
+                  <a:lumMod val="75000"/>
                   <a:alpha val="50000"/>
                 </a:schemeClr>
               </a:solidFill>
+              <a:ln>
+                <a:solidFill>
+                  <a:schemeClr val="bg1">
+                    <a:lumMod val="50000"/>
+                  </a:schemeClr>
+                </a:solidFill>
+              </a:ln>
             </p:spPr>
             <p:style>
               <a:lnRef idx="2">
@@ -3545,10 +3585,18 @@
                 </a:pathLst>
               </a:custGeom>
               <a:solidFill>
-                <a:schemeClr val="accent1">
+                <a:schemeClr val="bg1">
+                  <a:lumMod val="75000"/>
                   <a:alpha val="50000"/>
                 </a:schemeClr>
               </a:solidFill>
+              <a:ln>
+                <a:solidFill>
+                  <a:schemeClr val="bg1">
+                    <a:lumMod val="50000"/>
+                  </a:schemeClr>
+                </a:solidFill>
+              </a:ln>
             </p:spPr>
             <p:style>
               <a:lnRef idx="2">
@@ -3639,10 +3687,18 @@
                 </a:pathLst>
               </a:custGeom>
               <a:solidFill>
-                <a:schemeClr val="accent1">
+                <a:schemeClr val="bg1">
+                  <a:lumMod val="75000"/>
                   <a:alpha val="50000"/>
                 </a:schemeClr>
               </a:solidFill>
+              <a:ln>
+                <a:solidFill>
+                  <a:schemeClr val="bg1">
+                    <a:lumMod val="50000"/>
+                  </a:schemeClr>
+                </a:solidFill>
+              </a:ln>
             </p:spPr>
             <p:style>
               <a:lnRef idx="2">
@@ -3733,10 +3789,18 @@
                 </a:pathLst>
               </a:custGeom>
               <a:solidFill>
-                <a:schemeClr val="accent1">
+                <a:schemeClr val="bg1">
+                  <a:lumMod val="75000"/>
                   <a:alpha val="50000"/>
                 </a:schemeClr>
               </a:solidFill>
+              <a:ln>
+                <a:solidFill>
+                  <a:schemeClr val="bg1">
+                    <a:lumMod val="50000"/>
+                  </a:schemeClr>
+                </a:solidFill>
+              </a:ln>
             </p:spPr>
             <p:style>
               <a:lnRef idx="2">
@@ -3827,10 +3891,18 @@
                 </a:pathLst>
               </a:custGeom>
               <a:solidFill>
-                <a:schemeClr val="accent1">
+                <a:schemeClr val="bg1">
+                  <a:lumMod val="75000"/>
                   <a:alpha val="50000"/>
                 </a:schemeClr>
               </a:solidFill>
+              <a:ln>
+                <a:solidFill>
+                  <a:schemeClr val="bg1">
+                    <a:lumMod val="50000"/>
+                  </a:schemeClr>
+                </a:solidFill>
+              </a:ln>
             </p:spPr>
             <p:style>
               <a:lnRef idx="2">
@@ -5097,8 +5169,8 @@
             </p:txBody>
           </p:sp>
         </p:grpSp>
-        <mc:AlternateContent xmlns:mc="http://schemas.openxmlformats.org/markup-compatibility/2006">
-          <mc:Choice xmlns:a14="http://schemas.microsoft.com/office/drawing/2010/main" Requires="a14">
+        <mc:AlternateContent xmlns:mc="http://schemas.openxmlformats.org/markup-compatibility/2006" xmlns:a14="http://schemas.microsoft.com/office/drawing/2010/main">
+          <mc:Choice Requires="a14">
             <p:sp>
               <p:nvSpPr>
                 <p:cNvPr id="35" name="TextBox 34">
@@ -5154,7 +5226,7 @@
               </p:txBody>
             </p:sp>
           </mc:Choice>
-          <mc:Fallback>
+          <mc:Fallback xmlns="">
             <p:sp>
               <p:nvSpPr>
                 <p:cNvPr id="35" name="TextBox 34">
@@ -5213,12 +5285,39 @@
           </p:nvSpPr>
           <p:spPr>
             <a:xfrm>
-              <a:off x="5724476" y="2256945"/>
-              <a:ext cx="3627058" cy="491393"/>
+              <a:off x="4858143" y="2256945"/>
+              <a:ext cx="5093183" cy="491393"/>
             </a:xfrm>
             <a:prstGeom prst="rightArrow">
               <a:avLst/>
             </a:prstGeom>
+            <a:gradFill flip="none" rotWithShape="1">
+              <a:gsLst>
+                <a:gs pos="0">
+                  <a:schemeClr val="tx2">
+                    <a:lumMod val="20000"/>
+                    <a:lumOff val="80000"/>
+                  </a:schemeClr>
+                </a:gs>
+                <a:gs pos="33000">
+                  <a:schemeClr val="tx2">
+                    <a:lumMod val="40000"/>
+                    <a:lumOff val="60000"/>
+                  </a:schemeClr>
+                </a:gs>
+                <a:gs pos="67000">
+                  <a:schemeClr val="tx2">
+                    <a:lumMod val="60000"/>
+                    <a:lumOff val="40000"/>
+                  </a:schemeClr>
+                </a:gs>
+                <a:gs pos="100000">
+                  <a:schemeClr val="tx2"/>
+                </a:gs>
+              </a:gsLst>
+              <a:lin ang="0" scaled="1"/>
+              <a:tileRect/>
+            </a:gradFill>
           </p:spPr>
           <p:style>
             <a:lnRef idx="2">
@@ -5364,10 +5463,18 @@
                 </a:pathLst>
               </a:custGeom>
               <a:solidFill>
-                <a:schemeClr val="accent1">
+                <a:schemeClr val="bg1">
+                  <a:lumMod val="75000"/>
                   <a:alpha val="50000"/>
                 </a:schemeClr>
               </a:solidFill>
+              <a:ln>
+                <a:solidFill>
+                  <a:schemeClr val="bg1">
+                    <a:lumMod val="50000"/>
+                  </a:schemeClr>
+                </a:solidFill>
+              </a:ln>
             </p:spPr>
             <p:style>
               <a:lnRef idx="2">
@@ -5458,10 +5565,18 @@
                 </a:pathLst>
               </a:custGeom>
               <a:solidFill>
-                <a:schemeClr val="accent1">
+                <a:schemeClr val="bg1">
+                  <a:lumMod val="75000"/>
                   <a:alpha val="50000"/>
                 </a:schemeClr>
               </a:solidFill>
+              <a:ln>
+                <a:solidFill>
+                  <a:schemeClr val="bg1">
+                    <a:lumMod val="50000"/>
+                  </a:schemeClr>
+                </a:solidFill>
+              </a:ln>
             </p:spPr>
             <p:style>
               <a:lnRef idx="2">
@@ -5552,10 +5667,18 @@
                 </a:pathLst>
               </a:custGeom>
               <a:solidFill>
-                <a:schemeClr val="accent1">
+                <a:schemeClr val="bg1">
+                  <a:lumMod val="75000"/>
                   <a:alpha val="50000"/>
                 </a:schemeClr>
               </a:solidFill>
+              <a:ln>
+                <a:solidFill>
+                  <a:schemeClr val="bg1">
+                    <a:lumMod val="50000"/>
+                  </a:schemeClr>
+                </a:solidFill>
+              </a:ln>
             </p:spPr>
             <p:style>
               <a:lnRef idx="2">
@@ -5646,10 +5769,18 @@
                 </a:pathLst>
               </a:custGeom>
               <a:solidFill>
-                <a:schemeClr val="accent1">
+                <a:schemeClr val="bg1">
+                  <a:lumMod val="75000"/>
                   <a:alpha val="50000"/>
                 </a:schemeClr>
               </a:solidFill>
+              <a:ln>
+                <a:solidFill>
+                  <a:schemeClr val="bg1">
+                    <a:lumMod val="50000"/>
+                  </a:schemeClr>
+                </a:solidFill>
+              </a:ln>
             </p:spPr>
             <p:style>
               <a:lnRef idx="2">
@@ -5740,10 +5871,18 @@
                 </a:pathLst>
               </a:custGeom>
               <a:solidFill>
-                <a:schemeClr val="accent1">
+                <a:schemeClr val="bg1">
+                  <a:lumMod val="75000"/>
                   <a:alpha val="50000"/>
                 </a:schemeClr>
               </a:solidFill>
+              <a:ln>
+                <a:solidFill>
+                  <a:schemeClr val="bg1">
+                    <a:lumMod val="50000"/>
+                  </a:schemeClr>
+                </a:solidFill>
+              </a:ln>
             </p:spPr>
             <p:style>
               <a:lnRef idx="2">
@@ -5834,10 +5973,18 @@
                 </a:pathLst>
               </a:custGeom>
               <a:solidFill>
-                <a:schemeClr val="accent1">
+                <a:schemeClr val="bg1">
+                  <a:lumMod val="75000"/>
                   <a:alpha val="50000"/>
                 </a:schemeClr>
               </a:solidFill>
+              <a:ln>
+                <a:solidFill>
+                  <a:schemeClr val="bg1">
+                    <a:lumMod val="50000"/>
+                  </a:schemeClr>
+                </a:solidFill>
+              </a:ln>
             </p:spPr>
             <p:style>
               <a:lnRef idx="2">
@@ -5928,10 +6075,18 @@
                 </a:pathLst>
               </a:custGeom>
               <a:solidFill>
-                <a:schemeClr val="accent1">
+                <a:schemeClr val="bg1">
+                  <a:lumMod val="75000"/>
                   <a:alpha val="50000"/>
                 </a:schemeClr>
               </a:solidFill>
+              <a:ln>
+                <a:solidFill>
+                  <a:schemeClr val="bg1">
+                    <a:lumMod val="50000"/>
+                  </a:schemeClr>
+                </a:solidFill>
+              </a:ln>
             </p:spPr>
             <p:style>
               <a:lnRef idx="2">
@@ -7198,8 +7353,8 @@
             </p:txBody>
           </p:sp>
         </p:grpSp>
-        <mc:AlternateContent xmlns:mc="http://schemas.openxmlformats.org/markup-compatibility/2006">
-          <mc:Choice xmlns:a14="http://schemas.microsoft.com/office/drawing/2010/main" Requires="a14">
+        <mc:AlternateContent xmlns:mc="http://schemas.openxmlformats.org/markup-compatibility/2006" xmlns:a14="http://schemas.microsoft.com/office/drawing/2010/main">
+          <mc:Choice Requires="a14">
             <p:sp>
               <p:nvSpPr>
                 <p:cNvPr id="105" name="TextBox 104">
@@ -7255,7 +7410,7 @@
               </p:txBody>
             </p:sp>
           </mc:Choice>
-          <mc:Fallback>
+          <mc:Fallback xmlns="">
             <p:sp>
               <p:nvSpPr>
                 <p:cNvPr id="105" name="TextBox 104">
